--- a/projectData/m2docgen_Workflow_V100_21-06-17.pptx
+++ b/projectData/m2docgen_Workflow_V100_21-06-17.pptx
@@ -292,7 +292,7 @@
               <a:pPr>
                 <a:defRPr/>
               </a:pPr>
-              <a:t>7/23/2021</a:t>
+              <a:t>2/21/2022</a:t>
             </a:fld>
             <a:endParaRPr lang="en-US"/>
           </a:p>
@@ -515,7 +515,7 @@
               <a:pPr>
                 <a:defRPr/>
               </a:pPr>
-              <a:t>7/23/2021</a:t>
+              <a:t>2/21/2022</a:t>
             </a:fld>
             <a:endParaRPr lang="en-US"/>
           </a:p>
@@ -2558,12 +2558,8 @@
           <a:lstStyle/>
           <a:p>
             <a:r>
-              <a:rPr lang="de-DE" dirty="0"/>
-              <a:t>Workflow - </a:t>
-            </a:r>
-            <a:r>
-              <a:rPr lang="de-DE" dirty="0" err="1"/>
-              <a:t>Overview</a:t>
+              <a:rPr lang="de-DE"/>
+              <a:t>Workflow – Overview </a:t>
             </a:r>
             <a:endParaRPr lang="de-DE" dirty="0"/>
           </a:p>
